--- a/PowerPoint/00 - Teaching Compiler Design.pptx
+++ b/PowerPoint/00 - Teaching Compiler Design.pptx
@@ -2978,7 +2978,7 @@
             <a:pPr lvl="1"/>
             <a:r>
               <a:rPr lang="en-US" dirty="0"/>
-              <a:t>CVM (virtual machine target for compiler</a:t>
+              <a:t>CVM (virtual machine target for compiler)</a:t>
             </a:r>
           </a:p>
           <a:p>
